--- a/Presentations/6. The Heidelberg Spiking Datasets for the Systematic Evaluation.pptx
+++ b/Presentations/6. The Heidelberg Spiking Datasets for the Systematic Evaluation.pptx
@@ -5,7 +5,7 @@
     <p:sldMasterId id="2147483687" r:id="rId1"/>
   </p:sldMasterIdLst>
   <p:notesMasterIdLst>
-    <p:notesMasterId r:id="rId40"/>
+    <p:notesMasterId r:id="rId41"/>
   </p:notesMasterIdLst>
   <p:sldIdLst>
     <p:sldId id="256" r:id="rId2"/>
@@ -45,7 +45,8 @@
     <p:sldId id="293" r:id="rId36"/>
     <p:sldId id="294" r:id="rId37"/>
     <p:sldId id="295" r:id="rId38"/>
-    <p:sldId id="281" r:id="rId39"/>
+    <p:sldId id="299" r:id="rId39"/>
+    <p:sldId id="281" r:id="rId40"/>
   </p:sldIdLst>
   <p:sldSz cx="12192000" cy="6858000"/>
   <p:notesSz cx="6858000" cy="9144000"/>
@@ -234,7 +235,7 @@
           <a:p>
             <a:fld id="{1DA07B84-2866-4732-995E-8738FAE7C89C}" type="datetimeFigureOut">
               <a:rPr lang="en-IN" smtClean="0"/>
-              <a:t>17-08-2021</a:t>
+              <a:t>19-08-2021</a:t>
             </a:fld>
             <a:endParaRPr lang="en-IN"/>
           </a:p>
@@ -726,7 +727,7 @@
           <a:p>
             <a:fld id="{2A804CD4-7734-440D-9344-DB09FE807362}" type="datetime1">
               <a:rPr lang="en-US" smtClean="0"/>
-              <a:t>8/17/2021</a:t>
+              <a:t>8/19/2021</a:t>
             </a:fld>
             <a:endParaRPr lang="en-US" dirty="0"/>
           </a:p>
@@ -1061,7 +1062,7 @@
           <a:p>
             <a:fld id="{476E418E-3397-4DE7-B266-B201B5F3FB99}" type="datetime1">
               <a:rPr lang="en-US" smtClean="0"/>
-              <a:t>8/17/2021</a:t>
+              <a:t>8/19/2021</a:t>
             </a:fld>
             <a:endParaRPr lang="en-US" dirty="0"/>
           </a:p>
@@ -1340,7 +1341,7 @@
           <a:p>
             <a:fld id="{E7C8CB2A-D29D-4BD8-AF37-AD0753C5B5D6}" type="datetime1">
               <a:rPr lang="en-US" smtClean="0"/>
-              <a:t>8/17/2021</a:t>
+              <a:t>8/19/2021</a:t>
             </a:fld>
             <a:endParaRPr lang="en-US" dirty="0"/>
           </a:p>
@@ -1909,7 +1910,7 @@
           <a:p>
             <a:fld id="{6DFD6F98-BAEE-4299-BDF4-6902E19B23DA}" type="datetime1">
               <a:rPr lang="en-US" smtClean="0"/>
-              <a:t>8/17/2021</a:t>
+              <a:t>8/19/2021</a:t>
             </a:fld>
             <a:endParaRPr lang="en-US" dirty="0"/>
           </a:p>
@@ -2188,7 +2189,7 @@
           <a:p>
             <a:fld id="{4DBD8B35-70BD-4FB4-9EF5-80E7B0FADFF8}" type="datetime1">
               <a:rPr lang="en-US" smtClean="0"/>
-              <a:t>8/17/2021</a:t>
+              <a:t>8/19/2021</a:t>
             </a:fld>
             <a:endParaRPr lang="en-US" dirty="0"/>
           </a:p>
@@ -2751,7 +2752,7 @@
           <a:p>
             <a:fld id="{2A0D7D96-FFFB-4082-9B2F-EB5D70C2B886}" type="datetime1">
               <a:rPr lang="en-US" smtClean="0"/>
-              <a:t>8/17/2021</a:t>
+              <a:t>8/19/2021</a:t>
             </a:fld>
             <a:endParaRPr lang="en-US" dirty="0"/>
           </a:p>
@@ -3079,7 +3080,7 @@
           <a:p>
             <a:fld id="{8C3DB417-D349-48A0-8889-BFEB7054CB8A}" type="datetime1">
               <a:rPr lang="en-US" smtClean="0"/>
-              <a:t>8/17/2021</a:t>
+              <a:t>8/19/2021</a:t>
             </a:fld>
             <a:endParaRPr lang="en-US" dirty="0"/>
           </a:p>
@@ -3257,7 +3258,7 @@
           <a:p>
             <a:fld id="{FFA33A6D-D34C-40AB-BA3F-7DE57DBA1CAF}" type="datetime1">
               <a:rPr lang="en-US" smtClean="0"/>
-              <a:t>8/17/2021</a:t>
+              <a:t>8/19/2021</a:t>
             </a:fld>
             <a:endParaRPr lang="en-US" dirty="0"/>
           </a:p>
@@ -3496,7 +3497,7 @@
           <a:p>
             <a:fld id="{BE59204E-1A24-433F-8F01-4FD5842F53E5}" type="datetime1">
               <a:rPr lang="en-US" smtClean="0"/>
-              <a:t>8/17/2021</a:t>
+              <a:t>8/19/2021</a:t>
             </a:fld>
             <a:endParaRPr lang="en-US" dirty="0"/>
           </a:p>
@@ -3697,7 +3698,7 @@
           <a:p>
             <a:fld id="{F328E2C1-909A-44FB-A788-F43D1F2965F1}" type="datetime1">
               <a:rPr lang="en-US" smtClean="0"/>
-              <a:t>8/17/2021</a:t>
+              <a:t>8/19/2021</a:t>
             </a:fld>
             <a:endParaRPr lang="en-US" dirty="0"/>
           </a:p>
@@ -3974,7 +3975,7 @@
           <a:p>
             <a:fld id="{E0C731BE-EC2E-4CEF-ADFA-830A921D4F22}" type="datetime1">
               <a:rPr lang="en-US" smtClean="0"/>
-              <a:t>8/17/2021</a:t>
+              <a:t>8/19/2021</a:t>
             </a:fld>
             <a:endParaRPr lang="en-US" dirty="0"/>
           </a:p>
@@ -4241,7 +4242,7 @@
           <a:p>
             <a:fld id="{12BFDA4C-AB0C-40A5-A5FA-73D4B890FFBF}" type="datetime1">
               <a:rPr lang="en-US" smtClean="0"/>
-              <a:t>8/17/2021</a:t>
+              <a:t>8/19/2021</a:t>
             </a:fld>
             <a:endParaRPr lang="en-US" dirty="0"/>
           </a:p>
@@ -4616,7 +4617,7 @@
           <a:p>
             <a:fld id="{124EF43C-DD22-463B-B0D6-72A288176F26}" type="datetime1">
               <a:rPr lang="en-US" smtClean="0"/>
-              <a:t>8/17/2021</a:t>
+              <a:t>8/19/2021</a:t>
             </a:fld>
             <a:endParaRPr lang="en-US" dirty="0"/>
           </a:p>
@@ -4765,7 +4766,7 @@
           <a:p>
             <a:fld id="{ADD45A70-B176-40CA-BE09-1B13D5106523}" type="datetime1">
               <a:rPr lang="en-US" smtClean="0"/>
-              <a:t>8/17/2021</a:t>
+              <a:t>8/19/2021</a:t>
             </a:fld>
             <a:endParaRPr lang="en-US" dirty="0"/>
           </a:p>
@@ -4891,7 +4892,7 @@
           <a:p>
             <a:fld id="{FBBC5149-7E3D-4842-AA08-A1D7FE6A0F42}" type="datetime1">
               <a:rPr lang="en-US" smtClean="0"/>
-              <a:t>8/17/2021</a:t>
+              <a:t>8/19/2021</a:t>
             </a:fld>
             <a:endParaRPr lang="en-US" dirty="0"/>
           </a:p>
@@ -5177,7 +5178,7 @@
           <a:p>
             <a:fld id="{C87E0B8B-73F1-4199-985F-146D87032FCF}" type="datetime1">
               <a:rPr lang="en-US" smtClean="0"/>
-              <a:t>8/17/2021</a:t>
+              <a:t>8/19/2021</a:t>
             </a:fld>
             <a:endParaRPr lang="en-US" dirty="0"/>
           </a:p>
@@ -5502,7 +5503,7 @@
           <a:p>
             <a:fld id="{B72CB3EE-B5E0-478F-9E74-11FDF16710EE}" type="datetime1">
               <a:rPr lang="en-US" smtClean="0"/>
-              <a:t>8/17/2021</a:t>
+              <a:t>8/19/2021</a:t>
             </a:fld>
             <a:endParaRPr lang="en-US" dirty="0"/>
           </a:p>
@@ -5717,7 +5718,7 @@
           <a:p>
             <a:fld id="{08CADEAD-DA2A-4D39-9BED-23975B38EF29}" type="datetime1">
               <a:rPr lang="en-US" smtClean="0"/>
-              <a:t>8/17/2021</a:t>
+              <a:t>8/19/2021</a:t>
             </a:fld>
             <a:endParaRPr lang="en-US" dirty="0"/>
           </a:p>
@@ -6293,9 +6294,10 @@
           <a:bodyPr/>
           <a:lstStyle/>
           <a:p>
+            <a:pPr algn="ctr"/>
             <a:r>
               <a:rPr lang="en-IN" dirty="0"/>
-              <a:t>Benjamin Cramer , Yannik Stradmann , Johannes Schemmel , Member, IEEE, and Friedemann Zenke</a:t>
+              <a:t>Benjamin Cramer , Yannik Stradmann , Johannes Schemmel, and Friedemann Zenke</a:t>
             </a:r>
           </a:p>
         </p:txBody>
@@ -11362,17 +11364,10 @@
               <a:buNone/>
             </a:pPr>
             <a:r>
-              <a:rPr lang="en-IN" sz="2400" dirty="0"/>
-              <a:t>“</a:t>
-            </a:r>
-            <a:r>
               <a:rPr lang="en-US" sz="2400" dirty="0"/>
-              <a:t>We chose audio data sets as the basis for our benchmarks because audio has a temporal dimension which makes it a natural choice for spike-based processing. However, in contrast to movie data, audio requires fewer input channels for a faithful representation, which renders the derived spiking data sets computationally more tractable.</a:t>
-            </a:r>
-            <a:r>
-              <a:rPr lang="en-IN" sz="2400" dirty="0"/>
-              <a:t>”</a:t>
-            </a:r>
+              <a:t>The authors chose audio data sets as the basis for their benchmarks because audio has a temporal dimension which makes it a natural choice for spike-based processing. However, in contrast to movie data, audio requires fewer input channels for a faithful representation, which renders the derived spiking data sets computationally more tractable.</a:t>
+            </a:r>
+            <a:endParaRPr lang="en-IN" sz="2400" dirty="0"/>
           </a:p>
           <a:p>
             <a:pPr marL="0" indent="0">
@@ -11454,6 +11449,144 @@
           <a:chExt cx="0" cy="0"/>
         </a:xfrm>
       </p:grpSpPr>
+      <p:sp>
+        <p:nvSpPr>
+          <p:cNvPr id="2" name="Title 1">
+            <a:extLst>
+              <a:ext uri="{FF2B5EF4-FFF2-40B4-BE49-F238E27FC236}">
+                <a16:creationId xmlns:a16="http://schemas.microsoft.com/office/drawing/2014/main" id="{93BDFB75-F6A5-487E-87F1-21041254A3B4}"/>
+              </a:ext>
+            </a:extLst>
+          </p:cNvPr>
+          <p:cNvSpPr>
+            <a:spLocks noGrp="1"/>
+          </p:cNvSpPr>
+          <p:nvPr>
+            <p:ph type="title"/>
+          </p:nvPr>
+        </p:nvSpPr>
+        <p:spPr/>
+        <p:txBody>
+          <a:bodyPr>
+            <a:normAutofit/>
+          </a:bodyPr>
+          <a:lstStyle/>
+          <a:p>
+            <a:r>
+              <a:rPr lang="en-IN" sz="4000" dirty="0"/>
+              <a:t>Discussion </a:t>
+            </a:r>
+          </a:p>
+        </p:txBody>
+      </p:sp>
+      <p:sp>
+        <p:nvSpPr>
+          <p:cNvPr id="3" name="Content Placeholder 2">
+            <a:extLst>
+              <a:ext uri="{FF2B5EF4-FFF2-40B4-BE49-F238E27FC236}">
+                <a16:creationId xmlns:a16="http://schemas.microsoft.com/office/drawing/2014/main" id="{ED574516-0E4F-4D6F-84DF-644D0A0E4DE1}"/>
+              </a:ext>
+            </a:extLst>
+          </p:cNvPr>
+          <p:cNvSpPr>
+            <a:spLocks noGrp="1"/>
+          </p:cNvSpPr>
+          <p:nvPr>
+            <p:ph idx="1"/>
+          </p:nvPr>
+        </p:nvSpPr>
+        <p:spPr>
+          <a:xfrm>
+            <a:off x="685801" y="2142067"/>
+            <a:ext cx="10131425" cy="4106333"/>
+          </a:xfrm>
+        </p:spPr>
+        <p:txBody>
+          <a:bodyPr anchor="t">
+            <a:normAutofit/>
+          </a:bodyPr>
+          <a:lstStyle/>
+          <a:p>
+            <a:pPr marL="0" indent="0">
+              <a:buNone/>
+            </a:pPr>
+            <a:r>
+              <a:rPr lang="en-US" sz="2400" dirty="0"/>
+              <a:t>The temporal information available in the spike times can be leveraged for better classification by suitable classifiers. Moreover, architectures with explicit recurrence, like LSTMs and RSNNs, were the best performing models among all architectures tested.</a:t>
+            </a:r>
+          </a:p>
+          <a:p>
+            <a:pPr marL="0" indent="0">
+              <a:buNone/>
+            </a:pPr>
+            <a:r>
+              <a:rPr lang="en-US" sz="2400" dirty="0"/>
+              <a:t>There exists a plethora of alternative gradient-based approaches based on network translation, single spike timing , mean firing rate, and stochastic approximations. Furthermore, there are biologically inspired online approximations of surrogate gradients and, finally, a body of work has used biologically motivated spike timing dependent plasticity (STDP)-like learning rules.</a:t>
+            </a:r>
+            <a:endParaRPr lang="en-IN" sz="2400" dirty="0"/>
+          </a:p>
+        </p:txBody>
+      </p:sp>
+      <p:sp>
+        <p:nvSpPr>
+          <p:cNvPr id="4" name="Slide Number Placeholder 3">
+            <a:extLst>
+              <a:ext uri="{FF2B5EF4-FFF2-40B4-BE49-F238E27FC236}">
+                <a16:creationId xmlns:a16="http://schemas.microsoft.com/office/drawing/2014/main" id="{54724BA8-C87E-4EA1-A9C7-D7C35F2A03E8}"/>
+              </a:ext>
+            </a:extLst>
+          </p:cNvPr>
+          <p:cNvSpPr>
+            <a:spLocks noGrp="1"/>
+          </p:cNvSpPr>
+          <p:nvPr>
+            <p:ph type="sldNum" sz="quarter" idx="12"/>
+          </p:nvPr>
+        </p:nvSpPr>
+        <p:spPr/>
+        <p:txBody>
+          <a:bodyPr/>
+          <a:lstStyle/>
+          <a:p>
+            <a:fld id="{D57F1E4F-1CFF-5643-939E-217C01CDF565}" type="slidenum">
+              <a:rPr lang="en-US" smtClean="0"/>
+              <a:pPr/>
+              <a:t>38</a:t>
+            </a:fld>
+            <a:endParaRPr lang="en-US" dirty="0"/>
+          </a:p>
+        </p:txBody>
+      </p:sp>
+    </p:spTree>
+    <p:extLst>
+      <p:ext uri="{BB962C8B-B14F-4D97-AF65-F5344CB8AC3E}">
+        <p14:creationId xmlns:p14="http://schemas.microsoft.com/office/powerpoint/2010/main" val="912873539"/>
+      </p:ext>
+    </p:extLst>
+  </p:cSld>
+  <p:clrMapOvr>
+    <a:masterClrMapping/>
+  </p:clrMapOvr>
+</p:sld>
+</file>
+
+<file path=ppt/slides/slide39.xml><?xml version="1.0" encoding="utf-8"?>
+<p:sld xmlns:a="http://schemas.openxmlformats.org/drawingml/2006/main" xmlns:r="http://schemas.openxmlformats.org/officeDocument/2006/relationships" xmlns:p="http://schemas.openxmlformats.org/presentationml/2006/main">
+  <p:cSld>
+    <p:spTree>
+      <p:nvGrpSpPr>
+        <p:cNvPr id="1" name=""/>
+        <p:cNvGrpSpPr/>
+        <p:nvPr/>
+      </p:nvGrpSpPr>
+      <p:grpSpPr>
+        <a:xfrm>
+          <a:off x="0" y="0"/>
+          <a:ext cx="0" cy="0"/>
+          <a:chOff x="0" y="0"/>
+          <a:chExt cx="0" cy="0"/>
+        </a:xfrm>
+      </p:grpSpPr>
       <p:pic>
         <p:nvPicPr>
           <p:cNvPr id="5" name="Content Placeholder 4">
@@ -11506,7 +11639,7 @@
             <a:fld id="{D57F1E4F-1CFF-5643-939E-217C01CDF565}" type="slidenum">
               <a:rPr lang="en-US" smtClean="0"/>
               <a:pPr/>
-              <a:t>38</a:t>
+              <a:t>39</a:t>
             </a:fld>
             <a:endParaRPr lang="en-US" dirty="0"/>
           </a:p>
